--- a/MS_movie_JCDP 3.pptx
+++ b/MS_movie_JCDP 3.pptx
@@ -174,6 +174,7 @@
     <p1510:client id="{B12F6840-F392-4CFC-87C2-12735994A618}" v="725" dt="2021-06-10T18:14:54.343"/>
     <p1510:client id="{CB3A8B36-398E-4BC1-ACE8-6D5D0254C735}" v="656" dt="2021-06-10T21:46:37.523"/>
     <p1510:client id="{D2EDF423-C6C3-4DDD-9E73-6BE81F10A9FB}" v="12" dt="2021-06-09T23:06:57.367"/>
+    <p1510:client id="{E89D2984-9894-4F79-924E-051664F922ED}" v="102" dt="2021-06-11T13:54:54.830"/>
     <p1510:client id="{F2DCAC0D-A5EF-4B02-AA52-302F2F54082B}" v="460" dt="2021-06-10T22:08:22.249"/>
     <p1510:client id="{FE7478E9-56E5-4CC1-9FF2-F0AB45A5C4BA}" v="4422" dt="2021-06-10T18:14:10.572"/>
   </p1510:revLst>
@@ -1127,6 +1128,84 @@
             <ac:picMk id="3" creationId="{00000000-0000-0000-0000-000000000000}"/>
           </ac:picMkLst>
         </pc:picChg>
+      </pc:sldChg>
+    </pc:docChg>
+  </pc:docChgLst>
+  <pc:docChgLst>
+    <pc:chgData name="VanZandt, Peter A." userId="S::pvanzand@bsc.edu::bc2462c6-4d25-49a5-99d4-c6a747e03f8a" providerId="AD" clId="Web-{E89D2984-9894-4F79-924E-051664F922ED}"/>
+    <pc:docChg chg="modSld">
+      <pc:chgData name="VanZandt, Peter A." userId="S::pvanzand@bsc.edu::bc2462c6-4d25-49a5-99d4-c6a747e03f8a" providerId="AD" clId="Web-{E89D2984-9894-4F79-924E-051664F922ED}" dt="2021-06-11T13:54:54.830" v="53" actId="14100"/>
+      <pc:docMkLst>
+        <pc:docMk/>
+      </pc:docMkLst>
+      <pc:sldChg chg="modSp">
+        <pc:chgData name="VanZandt, Peter A." userId="S::pvanzand@bsc.edu::bc2462c6-4d25-49a5-99d4-c6a747e03f8a" providerId="AD" clId="Web-{E89D2984-9894-4F79-924E-051664F922ED}" dt="2021-06-11T13:54:32.141" v="51" actId="20577"/>
+        <pc:sldMkLst>
+          <pc:docMk/>
+          <pc:sldMk cId="2229642486" sldId="280"/>
+        </pc:sldMkLst>
+        <pc:spChg chg="mod">
+          <ac:chgData name="VanZandt, Peter A." userId="S::pvanzand@bsc.edu::bc2462c6-4d25-49a5-99d4-c6a747e03f8a" providerId="AD" clId="Web-{E89D2984-9894-4F79-924E-051664F922ED}" dt="2021-06-11T13:54:32.141" v="51" actId="20577"/>
+          <ac:spMkLst>
+            <pc:docMk/>
+            <pc:sldMk cId="2229642486" sldId="280"/>
+            <ac:spMk id="3" creationId="{00000000-0000-0000-0000-000000000000}"/>
+          </ac:spMkLst>
+        </pc:spChg>
+      </pc:sldChg>
+      <pc:sldChg chg="addSp modSp">
+        <pc:chgData name="VanZandt, Peter A." userId="S::pvanzand@bsc.edu::bc2462c6-4d25-49a5-99d4-c6a747e03f8a" providerId="AD" clId="Web-{E89D2984-9894-4F79-924E-051664F922ED}" dt="2021-06-11T13:49:05.365" v="45" actId="1076"/>
+        <pc:sldMkLst>
+          <pc:docMk/>
+          <pc:sldMk cId="2322059776" sldId="287"/>
+        </pc:sldMkLst>
+        <pc:spChg chg="mod">
+          <ac:chgData name="VanZandt, Peter A." userId="S::pvanzand@bsc.edu::bc2462c6-4d25-49a5-99d4-c6a747e03f8a" providerId="AD" clId="Web-{E89D2984-9894-4F79-924E-051664F922ED}" dt="2021-06-11T13:46:58.986" v="33" actId="20577"/>
+          <ac:spMkLst>
+            <pc:docMk/>
+            <pc:sldMk cId="2322059776" sldId="287"/>
+            <ac:spMk id="3" creationId="{45A3636E-CEDD-4F40-A3D6-00AA65987A27}"/>
+          </ac:spMkLst>
+        </pc:spChg>
+        <pc:spChg chg="add mod">
+          <ac:chgData name="VanZandt, Peter A." userId="S::pvanzand@bsc.edu::bc2462c6-4d25-49a5-99d4-c6a747e03f8a" providerId="AD" clId="Web-{E89D2984-9894-4F79-924E-051664F922ED}" dt="2021-06-11T13:49:05.365" v="45" actId="1076"/>
+          <ac:spMkLst>
+            <pc:docMk/>
+            <pc:sldMk cId="2322059776" sldId="287"/>
+            <ac:spMk id="5" creationId="{774BA2BF-129A-4F41-B2C8-40220ADDEA80}"/>
+          </ac:spMkLst>
+        </pc:spChg>
+        <pc:picChg chg="add mod">
+          <ac:chgData name="VanZandt, Peter A." userId="S::pvanzand@bsc.edu::bc2462c6-4d25-49a5-99d4-c6a747e03f8a" providerId="AD" clId="Web-{E89D2984-9894-4F79-924E-051664F922ED}" dt="2021-06-11T13:48:02.644" v="38" actId="14100"/>
+          <ac:picMkLst>
+            <pc:docMk/>
+            <pc:sldMk cId="2322059776" sldId="287"/>
+            <ac:picMk id="4" creationId="{C2C8CD2B-3401-4BA7-863F-A64B1E69A489}"/>
+          </ac:picMkLst>
+        </pc:picChg>
+      </pc:sldChg>
+      <pc:sldChg chg="modSp">
+        <pc:chgData name="VanZandt, Peter A." userId="S::pvanzand@bsc.edu::bc2462c6-4d25-49a5-99d4-c6a747e03f8a" providerId="AD" clId="Web-{E89D2984-9894-4F79-924E-051664F922ED}" dt="2021-06-11T13:54:54.830" v="53" actId="14100"/>
+        <pc:sldMkLst>
+          <pc:docMk/>
+          <pc:sldMk cId="1903780621" sldId="294"/>
+        </pc:sldMkLst>
+        <pc:spChg chg="mod">
+          <ac:chgData name="VanZandt, Peter A." userId="S::pvanzand@bsc.edu::bc2462c6-4d25-49a5-99d4-c6a747e03f8a" providerId="AD" clId="Web-{E89D2984-9894-4F79-924E-051664F922ED}" dt="2021-06-11T13:54:54.830" v="53" actId="14100"/>
+          <ac:spMkLst>
+            <pc:docMk/>
+            <pc:sldMk cId="1903780621" sldId="294"/>
+            <ac:spMk id="5" creationId="{00000000-0000-0000-0000-000000000000}"/>
+          </ac:spMkLst>
+        </pc:spChg>
+        <pc:spChg chg="mod">
+          <ac:chgData name="VanZandt, Peter A." userId="S::pvanzand@bsc.edu::bc2462c6-4d25-49a5-99d4-c6a747e03f8a" providerId="AD" clId="Web-{E89D2984-9894-4F79-924E-051664F922ED}" dt="2021-06-11T13:54:51.533" v="52" actId="14100"/>
+          <ac:spMkLst>
+            <pc:docMk/>
+            <pc:sldMk cId="1903780621" sldId="294"/>
+            <ac:spMk id="6" creationId="{00000000-0000-0000-0000-000000000000}"/>
+          </ac:spMkLst>
+        </pc:spChg>
       </pc:sldChg>
     </pc:docChg>
   </pc:docChgLst>
@@ -3129,7 +3208,7 @@
           <a:p>
             <a:fld id="{063CDF31-5E6C-4141-99F1-F3B5D161FCF9}" type="datetimeFigureOut">
               <a:rPr lang="en-US"/>
-              <a:t>6/10/2021</a:t>
+              <a:t>6/11/2021</a:t>
             </a:fld>
             <a:endParaRPr lang="en-US"/>
           </a:p>
@@ -3463,7 +3542,7 @@
           <a:p>
             <a:fld id="{950BB911-84F8-4C4B-A9D0-CFFD1194030F}" type="slidenum">
               <a:rPr lang="en-US"/>
-              <a:t>11</a:t>
+              <a:t>9</a:t>
             </a:fld>
             <a:endParaRPr lang="en-US"/>
           </a:p>
@@ -3611,7 +3690,7 @@
           <a:p>
             <a:fld id="{846CE7D5-CF57-46EF-B807-FDD0502418D4}" type="datetimeFigureOut">
               <a:rPr lang="en-US" smtClean="0"/>
-              <a:t>6/10/2021</a:t>
+              <a:t>6/11/2021</a:t>
             </a:fld>
             <a:endParaRPr lang="en-US"/>
           </a:p>
@@ -3779,7 +3858,7 @@
           <a:p>
             <a:fld id="{846CE7D5-CF57-46EF-B807-FDD0502418D4}" type="datetimeFigureOut">
               <a:rPr lang="en-US" smtClean="0"/>
-              <a:t>6/10/2021</a:t>
+              <a:t>6/11/2021</a:t>
             </a:fld>
             <a:endParaRPr lang="en-US"/>
           </a:p>
@@ -3957,7 +4036,7 @@
           <a:p>
             <a:fld id="{846CE7D5-CF57-46EF-B807-FDD0502418D4}" type="datetimeFigureOut">
               <a:rPr lang="en-US" smtClean="0"/>
-              <a:t>6/10/2021</a:t>
+              <a:t>6/11/2021</a:t>
             </a:fld>
             <a:endParaRPr lang="en-US"/>
           </a:p>
@@ -4125,7 +4204,7 @@
           <a:p>
             <a:fld id="{846CE7D5-CF57-46EF-B807-FDD0502418D4}" type="datetimeFigureOut">
               <a:rPr lang="en-US" smtClean="0"/>
-              <a:t>6/10/2021</a:t>
+              <a:t>6/11/2021</a:t>
             </a:fld>
             <a:endParaRPr lang="en-US"/>
           </a:p>
@@ -4370,7 +4449,7 @@
           <a:p>
             <a:fld id="{846CE7D5-CF57-46EF-B807-FDD0502418D4}" type="datetimeFigureOut">
               <a:rPr lang="en-US" smtClean="0"/>
-              <a:t>6/10/2021</a:t>
+              <a:t>6/11/2021</a:t>
             </a:fld>
             <a:endParaRPr lang="en-US"/>
           </a:p>
@@ -4599,7 +4678,7 @@
           <a:p>
             <a:fld id="{846CE7D5-CF57-46EF-B807-FDD0502418D4}" type="datetimeFigureOut">
               <a:rPr lang="en-US" smtClean="0"/>
-              <a:t>6/10/2021</a:t>
+              <a:t>6/11/2021</a:t>
             </a:fld>
             <a:endParaRPr lang="en-US"/>
           </a:p>
@@ -4963,7 +5042,7 @@
           <a:p>
             <a:fld id="{846CE7D5-CF57-46EF-B807-FDD0502418D4}" type="datetimeFigureOut">
               <a:rPr lang="en-US" smtClean="0"/>
-              <a:t>6/10/2021</a:t>
+              <a:t>6/11/2021</a:t>
             </a:fld>
             <a:endParaRPr lang="en-US"/>
           </a:p>
@@ -5080,7 +5159,7 @@
           <a:p>
             <a:fld id="{846CE7D5-CF57-46EF-B807-FDD0502418D4}" type="datetimeFigureOut">
               <a:rPr lang="en-US" smtClean="0"/>
-              <a:t>6/10/2021</a:t>
+              <a:t>6/11/2021</a:t>
             </a:fld>
             <a:endParaRPr lang="en-US"/>
           </a:p>
@@ -5175,7 +5254,7 @@
           <a:p>
             <a:fld id="{846CE7D5-CF57-46EF-B807-FDD0502418D4}" type="datetimeFigureOut">
               <a:rPr lang="en-US" smtClean="0"/>
-              <a:t>6/10/2021</a:t>
+              <a:t>6/11/2021</a:t>
             </a:fld>
             <a:endParaRPr lang="en-US"/>
           </a:p>
@@ -5450,7 +5529,7 @@
           <a:p>
             <a:fld id="{846CE7D5-CF57-46EF-B807-FDD0502418D4}" type="datetimeFigureOut">
               <a:rPr lang="en-US" smtClean="0"/>
-              <a:t>6/10/2021</a:t>
+              <a:t>6/11/2021</a:t>
             </a:fld>
             <a:endParaRPr lang="en-US"/>
           </a:p>
@@ -5702,7 +5781,7 @@
           <a:p>
             <a:fld id="{846CE7D5-CF57-46EF-B807-FDD0502418D4}" type="datetimeFigureOut">
               <a:rPr lang="en-US" smtClean="0"/>
-              <a:t>6/10/2021</a:t>
+              <a:t>6/11/2021</a:t>
             </a:fld>
             <a:endParaRPr lang="en-US"/>
           </a:p>
@@ -5913,7 +5992,7 @@
           <a:p>
             <a:fld id="{846CE7D5-CF57-46EF-B807-FDD0502418D4}" type="datetimeFigureOut">
               <a:rPr lang="en-US" smtClean="0"/>
-              <a:t>6/10/2021</a:t>
+              <a:t>6/11/2021</a:t>
             </a:fld>
             <a:endParaRPr lang="en-US"/>
           </a:p>
@@ -7656,7 +7735,12 @@
             <p:ph idx="1"/>
           </p:nvPr>
         </p:nvSpPr>
-        <p:spPr/>
+        <p:spPr>
+          <a:xfrm>
+            <a:off x="838200" y="1383581"/>
+            <a:ext cx="10515600" cy="4351338"/>
+          </a:xfrm>
+        </p:spPr>
         <p:txBody>
           <a:bodyPr vert="horz" lIns="91440" tIns="45720" rIns="91440" bIns="45720" rtlCol="0" anchor="t">
             <a:normAutofit/>
@@ -7664,28 +7748,91 @@
           <a:lstStyle/>
           <a:p>
             <a:r>
-              <a:rPr lang="en-US">
+              <a:rPr lang="en-US" dirty="0">
                 <a:ea typeface="+mn-lt"/>
                 <a:cs typeface="+mn-lt"/>
               </a:rPr>
-              <a:t>Further analysis that could help Microsoft:</a:t>
-            </a:r>
-          </a:p>
-          <a:p>
-            <a:endParaRPr lang="en-US">
-              <a:ea typeface="+mn-lt"/>
-              <a:cs typeface="+mn-lt"/>
+              <a:t>Microsoft should consider a transition into creating a streaming service to compliment studios.</a:t>
+            </a:r>
+            <a:endParaRPr lang="en-US" dirty="0">
+              <a:cs typeface="Calibri"/>
             </a:endParaRPr>
           </a:p>
-          <a:p>
-            <a:r>
-              <a:rPr lang="en-US">
-                <a:ea typeface="+mn-lt"/>
-                <a:cs typeface="+mn-lt"/>
+        </p:txBody>
+      </p:sp>
+      <p:pic>
+        <p:nvPicPr>
+          <p:cNvPr id="4" name="Picture 4" descr="Chart, bar chart&#10;&#10;Description automatically generated">
+            <a:extLst>
+              <a:ext uri="{FF2B5EF4-FFF2-40B4-BE49-F238E27FC236}">
+                <a16:creationId xmlns:a16="http://schemas.microsoft.com/office/drawing/2014/main" id="{C2C8CD2B-3401-4BA7-863F-A64B1E69A489}"/>
+              </a:ext>
+            </a:extLst>
+          </p:cNvPr>
+          <p:cNvPicPr>
+            <a:picLocks noChangeAspect="1"/>
+          </p:cNvPicPr>
+          <p:nvPr/>
+        </p:nvPicPr>
+        <p:blipFill>
+          <a:blip r:embed="rId2"/>
+          <a:stretch>
+            <a:fillRect/>
+          </a:stretch>
+        </p:blipFill>
+        <p:spPr>
+          <a:xfrm>
+            <a:off x="3048842" y="2276408"/>
+            <a:ext cx="5450193" cy="4363844"/>
+          </a:xfrm>
+          <a:prstGeom prst="rect">
+            <a:avLst/>
+          </a:prstGeom>
+        </p:spPr>
+      </p:pic>
+      <p:sp>
+        <p:nvSpPr>
+          <p:cNvPr id="5" name="TextBox 4">
+            <a:extLst>
+              <a:ext uri="{FF2B5EF4-FFF2-40B4-BE49-F238E27FC236}">
+                <a16:creationId xmlns:a16="http://schemas.microsoft.com/office/drawing/2014/main" id="{774BA2BF-129A-4F41-B2C8-40220ADDEA80}"/>
+              </a:ext>
+            </a:extLst>
+          </p:cNvPr>
+          <p:cNvSpPr txBox="1"/>
+          <p:nvPr/>
+        </p:nvSpPr>
+        <p:spPr>
+          <a:xfrm>
+            <a:off x="7734511" y="6551516"/>
+            <a:ext cx="2743200" cy="307777"/>
+          </a:xfrm>
+          <a:prstGeom prst="rect">
+            <a:avLst/>
+          </a:prstGeom>
+          <a:noFill/>
+        </p:spPr>
+        <p:txBody>
+          <a:bodyPr rot="0" spcFirstLastPara="0" vertOverflow="overflow" horzOverflow="overflow" vert="horz" wrap="square" lIns="91440" tIns="45720" rIns="91440" bIns="45720" numCol="1" spcCol="0" rtlCol="0" fromWordArt="0" anchor="t" anchorCtr="0" forceAA="0" compatLnSpc="1">
+            <a:prstTxWarp prst="textNoShape">
+              <a:avLst/>
+            </a:prstTxWarp>
+            <a:spAutoFit/>
+          </a:bodyPr>
+          <a:lstStyle/>
+          <a:p>
+            <a:r>
+              <a:rPr lang="en-US" sz="1400" dirty="0">
+                <a:solidFill>
+                  <a:srgbClr val="0070C0"/>
+                </a:solidFill>
               </a:rPr>
-              <a:t>look at what trend the streaming market is, Microsoft may have an easier transition into creating a streaming service instead of going into the movie theaters</a:t>
-            </a:r>
-            <a:endParaRPr lang="en-US">
+              <a:t>www.businessofapps.com</a:t>
+            </a:r>
+            <a:endParaRPr lang="en-US" sz="1400">
+              <a:solidFill>
+                <a:srgbClr val="0070C0"/>
+              </a:solidFill>
               <a:cs typeface="Calibri"/>
             </a:endParaRPr>
           </a:p>
@@ -8405,7 +8552,7 @@
           </a:xfrm>
         </p:spPr>
         <p:txBody>
-          <a:bodyPr>
+          <a:bodyPr vert="horz" lIns="91440" tIns="45720" rIns="91440" bIns="45720" rtlCol="0" anchor="t">
             <a:normAutofit/>
           </a:bodyPr>
           <a:lstStyle/>
@@ -8415,7 +8562,7 @@
             </a:pPr>
             <a:r>
               <a:rPr lang="en-US" sz="2000" dirty="0"/>
-              <a:t>Mars Needs Moms: the biggest loser in the film industry, losing over $100m </a:t>
+              <a:t>Mars Needs Moms: the biggest loser in the film industry, lost over $100m </a:t>
             </a:r>
           </a:p>
         </p:txBody>
@@ -9335,7 +9482,12 @@
             <p:ph type="title"/>
           </p:nvPr>
         </p:nvSpPr>
-        <p:spPr/>
+        <p:spPr>
+          <a:xfrm>
+            <a:off x="1722288" y="365125"/>
+            <a:ext cx="9631512" cy="1333982"/>
+          </a:xfrm>
+        </p:spPr>
         <p:txBody>
           <a:bodyPr/>
           <a:lstStyle/>
@@ -9357,7 +9509,12 @@
             <p:ph idx="1"/>
           </p:nvPr>
         </p:nvSpPr>
-        <p:spPr/>
+        <p:spPr>
+          <a:xfrm>
+            <a:off x="1827537" y="2680243"/>
+            <a:ext cx="9526263" cy="3496720"/>
+          </a:xfrm>
+        </p:spPr>
         <p:txBody>
           <a:bodyPr/>
           <a:lstStyle/>
@@ -11787,12 +11944,6 @@
 </file>
 
 <file path=customXml/item1.xml><?xml version="1.0" encoding="utf-8"?>
-<p:properties xmlns:p="http://schemas.microsoft.com/office/2006/metadata/properties" xmlns:xsi="http://www.w3.org/2001/XMLSchema-instance" xmlns:pc="http://schemas.microsoft.com/office/infopath/2007/PartnerControls">
-  <documentManagement/>
-</p:properties>
-</file>
-
-<file path=customXml/item2.xml><?xml version="1.0" encoding="utf-8"?>
 <ct:contentTypeSchema xmlns:ct="http://schemas.microsoft.com/office/2006/metadata/contentType" xmlns:ma="http://schemas.microsoft.com/office/2006/metadata/properties/metaAttributes" ct:_="" ma:_="" ma:contentTypeName="Document" ma:contentTypeID="0x010100119DCD6B4032474EAF0EE496E77BBE40" ma:contentTypeVersion="2" ma:contentTypeDescription="Create a new document." ma:contentTypeScope="" ma:versionID="c9dfb4cd3e3e3cd491bb4542187e3c79">
   <xsd:schema xmlns:xsd="http://www.w3.org/2001/XMLSchema" xmlns:xs="http://www.w3.org/2001/XMLSchema" xmlns:p="http://schemas.microsoft.com/office/2006/metadata/properties" xmlns:ns2="34f42413-2e9f-4711-9ce6-880fd787bcb3" targetNamespace="http://schemas.microsoft.com/office/2006/metadata/properties" ma:root="true" ma:fieldsID="5ff42495d79f36b3fc11877eff573291" ns2:_="">
     <xsd:import namespace="34f42413-2e9f-4711-9ce6-880fd787bcb3"/>
@@ -11924,6 +12075,12 @@
 </ct:contentTypeSchema>
 </file>
 
+<file path=customXml/item2.xml><?xml version="1.0" encoding="utf-8"?>
+<p:properties xmlns:p="http://schemas.microsoft.com/office/2006/metadata/properties" xmlns:xsi="http://www.w3.org/2001/XMLSchema-instance" xmlns:pc="http://schemas.microsoft.com/office/infopath/2007/PartnerControls">
+  <documentManagement/>
+</p:properties>
+</file>
+
 <file path=customXml/item3.xml><?xml version="1.0" encoding="utf-8"?>
 <?mso-contentType ?>
 <FormTemplates xmlns="http://schemas.microsoft.com/sharepoint/v3/contenttype/forms">
@@ -11934,22 +12091,6 @@
 </file>
 
 <file path=customXml/itemProps1.xml><?xml version="1.0" encoding="utf-8"?>
-<ds:datastoreItem xmlns:ds="http://schemas.openxmlformats.org/officeDocument/2006/customXml" ds:itemID="{EA147363-9886-409C-9146-01672F308A5E}">
-  <ds:schemaRefs>
-    <ds:schemaRef ds:uri="34f42413-2e9f-4711-9ce6-880fd787bcb3"/>
-    <ds:schemaRef ds:uri="http://purl.org/dc/terms/"/>
-    <ds:schemaRef ds:uri="http://schemas.openxmlformats.org/package/2006/metadata/core-properties"/>
-    <ds:schemaRef ds:uri="http://schemas.microsoft.com/office/2006/documentManagement/types"/>
-    <ds:schemaRef ds:uri="http://schemas.microsoft.com/office/infopath/2007/PartnerControls"/>
-    <ds:schemaRef ds:uri="http://purl.org/dc/elements/1.1/"/>
-    <ds:schemaRef ds:uri="http://schemas.microsoft.com/office/2006/metadata/properties"/>
-    <ds:schemaRef ds:uri="http://www.w3.org/XML/1998/namespace"/>
-    <ds:schemaRef ds:uri="http://purl.org/dc/dcmitype/"/>
-  </ds:schemaRefs>
-</ds:datastoreItem>
-</file>
-
-<file path=customXml/itemProps2.xml><?xml version="1.0" encoding="utf-8"?>
 <ds:datastoreItem xmlns:ds="http://schemas.openxmlformats.org/officeDocument/2006/customXml" ds:itemID="{7F70AB06-DBCE-4261-B185-F570B29C1D80}">
   <ds:schemaRefs>
     <ds:schemaRef ds:uri="34f42413-2e9f-4711-9ce6-880fd787bcb3"/>
@@ -11967,6 +12108,22 @@
 </ds:datastoreItem>
 </file>
 
+<file path=customXml/itemProps2.xml><?xml version="1.0" encoding="utf-8"?>
+<ds:datastoreItem xmlns:ds="http://schemas.openxmlformats.org/officeDocument/2006/customXml" ds:itemID="{EA147363-9886-409C-9146-01672F308A5E}">
+  <ds:schemaRefs>
+    <ds:schemaRef ds:uri="34f42413-2e9f-4711-9ce6-880fd787bcb3"/>
+    <ds:schemaRef ds:uri="http://purl.org/dc/terms/"/>
+    <ds:schemaRef ds:uri="http://schemas.openxmlformats.org/package/2006/metadata/core-properties"/>
+    <ds:schemaRef ds:uri="http://schemas.microsoft.com/office/2006/documentManagement/types"/>
+    <ds:schemaRef ds:uri="http://schemas.microsoft.com/office/infopath/2007/PartnerControls"/>
+    <ds:schemaRef ds:uri="http://purl.org/dc/elements/1.1/"/>
+    <ds:schemaRef ds:uri="http://schemas.microsoft.com/office/2006/metadata/properties"/>
+    <ds:schemaRef ds:uri="http://www.w3.org/XML/1998/namespace"/>
+    <ds:schemaRef ds:uri="http://purl.org/dc/dcmitype/"/>
+  </ds:schemaRefs>
+</ds:datastoreItem>
+</file>
+
 <file path=customXml/itemProps3.xml><?xml version="1.0" encoding="utf-8"?>
 <ds:datastoreItem xmlns:ds="http://schemas.openxmlformats.org/officeDocument/2006/customXml" ds:itemID="{EA07800A-4E3B-45B6-9526-53A44CA9845E}">
   <ds:schemaRefs>
